--- a/Presentation/Presentation in relation to heart.dk network.pptx
+++ b/Presentation/Presentation in relation to heart.dk network.pptx
@@ -12832,8 +12832,8 @@
         </p:nvSpPr>
         <p:spPr>
           <a:xfrm>
-            <a:off x="580231" y="1933189"/>
-            <a:ext cx="4951446" cy="1805909"/>
+            <a:off x="580231" y="1789256"/>
+            <a:ext cx="5930718" cy="1805909"/>
           </a:xfrm>
           <a:prstGeom prst="rect">
             <a:avLst/>
@@ -12841,7 +12841,7 @@
         </p:spPr>
         <p:txBody>
           <a:bodyPr vert="horz" lIns="91440" tIns="45720" rIns="91440" bIns="45720" rtlCol="0" anchor="ctr">
-            <a:normAutofit fontScale="70000" lnSpcReduction="20000"/>
+            <a:normAutofit/>
           </a:bodyPr>
           <a:lstStyle>
             <a:lvl1pPr marL="285750" indent="-285750" algn="l" defTabSz="457200" rtl="0" eaLnBrk="1" latinLnBrk="0" hangingPunct="1">
@@ -13072,7 +13072,7 @@
           </a:lstStyle>
           <a:p>
             <a:r>
-              <a:rPr lang="da-DK" sz="3200" dirty="0">
+              <a:rPr lang="da-DK" sz="2500" dirty="0">
                 <a:solidFill>
                   <a:schemeClr val="bg1"/>
                 </a:solidFill>
@@ -13082,7 +13082,7 @@
           </a:p>
           <a:p>
             <a:r>
-              <a:rPr lang="en-US" sz="3200" dirty="0">
+              <a:rPr lang="en-US" sz="2500" dirty="0">
                 <a:solidFill>
                   <a:schemeClr val="bg1"/>
                 </a:solidFill>
@@ -13092,20 +13092,15 @@
           </a:p>
           <a:p>
             <a:r>
-              <a:rPr lang="en-US" sz="3200" dirty="0">
+              <a:rPr lang="en-US" sz="2500" dirty="0">
                 <a:solidFill>
                   <a:schemeClr val="bg1"/>
                 </a:solidFill>
               </a:rPr>
               <a:t>Important links below:   </a:t>
             </a:r>
-          </a:p>
-          <a:p>
-            <a:pPr marL="0" indent="0">
-              <a:buNone/>
-            </a:pPr>
-            <a:r>
-              <a:rPr lang="da-DK" sz="3200" dirty="0"/>
+            <a:r>
+              <a:rPr lang="da-DK" sz="2500" dirty="0"/>
               <a:t> </a:t>
             </a:r>
           </a:p>
@@ -13127,7 +13122,7 @@
         </p:nvSpPr>
         <p:spPr>
           <a:xfrm>
-            <a:off x="580231" y="3302678"/>
+            <a:off x="524572" y="3525314"/>
             <a:ext cx="4951446" cy="1805909"/>
           </a:xfrm>
           <a:prstGeom prst="rect">
